--- a/doc/misc/overview.pptx
+++ b/doc/misc/overview.pptx
@@ -6,6 +6,7 @@
   </p:sldMasterIdLst>
   <p:sldIdLst>
     <p:sldId id="256" r:id="rId2"/>
+    <p:sldId id="257" r:id="rId3"/>
   </p:sldIdLst>
   <p:sldSz cx="12192000" cy="6858000"/>
   <p:notesSz cx="6858000" cy="9144000"/>
@@ -154,7 +155,7 @@
           </a:lstStyle>
           <a:p>
             <a:r>
-              <a:rPr lang="en-US" smtClean="0"/>
+              <a:rPr lang="en-US"/>
               <a:t>Click to edit Master title style</a:t>
             </a:r>
             <a:endParaRPr lang="en-GB"/>
@@ -219,7 +220,7 @@
           </a:lstStyle>
           <a:p>
             <a:r>
-              <a:rPr lang="en-US" smtClean="0"/>
+              <a:rPr lang="en-US"/>
               <a:t>Click to edit Master subtitle style</a:t>
             </a:r>
             <a:endParaRPr lang="en-GB"/>
@@ -243,7 +244,7 @@
           <a:p>
             <a:fld id="{DDDBF486-87FE-4D3C-BEED-0F4FF1B2EFB3}" type="datetimeFigureOut">
               <a:rPr lang="en-GB" smtClean="0"/>
-              <a:t>24/11/2017</a:t>
+              <a:t>12/02/2020</a:t>
             </a:fld>
             <a:endParaRPr lang="en-GB"/>
           </a:p>
@@ -337,7 +338,7 @@
           <a:lstStyle/>
           <a:p>
             <a:r>
-              <a:rPr lang="en-US" smtClean="0"/>
+              <a:rPr lang="en-US"/>
               <a:t>Click to edit Master title style</a:t>
             </a:r>
             <a:endParaRPr lang="en-GB"/>
@@ -361,35 +362,35 @@
           <a:p>
             <a:pPr lvl="0"/>
             <a:r>
-              <a:rPr lang="en-US" smtClean="0"/>
+              <a:rPr lang="en-US"/>
               <a:t>Edit Master text styles</a:t>
             </a:r>
           </a:p>
           <a:p>
             <a:pPr lvl="1"/>
             <a:r>
-              <a:rPr lang="en-US" smtClean="0"/>
+              <a:rPr lang="en-US"/>
               <a:t>Second level</a:t>
             </a:r>
           </a:p>
           <a:p>
             <a:pPr lvl="2"/>
             <a:r>
-              <a:rPr lang="en-US" smtClean="0"/>
+              <a:rPr lang="en-US"/>
               <a:t>Third level</a:t>
             </a:r>
           </a:p>
           <a:p>
             <a:pPr lvl="3"/>
             <a:r>
-              <a:rPr lang="en-US" smtClean="0"/>
+              <a:rPr lang="en-US"/>
               <a:t>Fourth level</a:t>
             </a:r>
           </a:p>
           <a:p>
             <a:pPr lvl="4"/>
             <a:r>
-              <a:rPr lang="en-US" smtClean="0"/>
+              <a:rPr lang="en-US"/>
               <a:t>Fifth level</a:t>
             </a:r>
             <a:endParaRPr lang="en-GB"/>
@@ -413,7 +414,7 @@
           <a:p>
             <a:fld id="{DDDBF486-87FE-4D3C-BEED-0F4FF1B2EFB3}" type="datetimeFigureOut">
               <a:rPr lang="en-GB" smtClean="0"/>
-              <a:t>24/11/2017</a:t>
+              <a:t>12/02/2020</a:t>
             </a:fld>
             <a:endParaRPr lang="en-GB"/>
           </a:p>
@@ -512,7 +513,7 @@
           <a:lstStyle/>
           <a:p>
             <a:r>
-              <a:rPr lang="en-US" smtClean="0"/>
+              <a:rPr lang="en-US"/>
               <a:t>Click to edit Master title style</a:t>
             </a:r>
             <a:endParaRPr lang="en-GB"/>
@@ -541,35 +542,35 @@
           <a:p>
             <a:pPr lvl="0"/>
             <a:r>
-              <a:rPr lang="en-US" smtClean="0"/>
+              <a:rPr lang="en-US"/>
               <a:t>Edit Master text styles</a:t>
             </a:r>
           </a:p>
           <a:p>
             <a:pPr lvl="1"/>
             <a:r>
-              <a:rPr lang="en-US" smtClean="0"/>
+              <a:rPr lang="en-US"/>
               <a:t>Second level</a:t>
             </a:r>
           </a:p>
           <a:p>
             <a:pPr lvl="2"/>
             <a:r>
-              <a:rPr lang="en-US" smtClean="0"/>
+              <a:rPr lang="en-US"/>
               <a:t>Third level</a:t>
             </a:r>
           </a:p>
           <a:p>
             <a:pPr lvl="3"/>
             <a:r>
-              <a:rPr lang="en-US" smtClean="0"/>
+              <a:rPr lang="en-US"/>
               <a:t>Fourth level</a:t>
             </a:r>
           </a:p>
           <a:p>
             <a:pPr lvl="4"/>
             <a:r>
-              <a:rPr lang="en-US" smtClean="0"/>
+              <a:rPr lang="en-US"/>
               <a:t>Fifth level</a:t>
             </a:r>
             <a:endParaRPr lang="en-GB"/>
@@ -593,7 +594,7 @@
           <a:p>
             <a:fld id="{DDDBF486-87FE-4D3C-BEED-0F4FF1B2EFB3}" type="datetimeFigureOut">
               <a:rPr lang="en-GB" smtClean="0"/>
-              <a:t>24/11/2017</a:t>
+              <a:t>12/02/2020</a:t>
             </a:fld>
             <a:endParaRPr lang="en-GB"/>
           </a:p>
@@ -687,7 +688,7 @@
           <a:lstStyle/>
           <a:p>
             <a:r>
-              <a:rPr lang="en-US" smtClean="0"/>
+              <a:rPr lang="en-US"/>
               <a:t>Click to edit Master title style</a:t>
             </a:r>
             <a:endParaRPr lang="en-GB"/>
@@ -711,35 +712,35 @@
           <a:p>
             <a:pPr lvl="0"/>
             <a:r>
-              <a:rPr lang="en-US" smtClean="0"/>
+              <a:rPr lang="en-US"/>
               <a:t>Edit Master text styles</a:t>
             </a:r>
           </a:p>
           <a:p>
             <a:pPr lvl="1"/>
             <a:r>
-              <a:rPr lang="en-US" smtClean="0"/>
+              <a:rPr lang="en-US"/>
               <a:t>Second level</a:t>
             </a:r>
           </a:p>
           <a:p>
             <a:pPr lvl="2"/>
             <a:r>
-              <a:rPr lang="en-US" smtClean="0"/>
+              <a:rPr lang="en-US"/>
               <a:t>Third level</a:t>
             </a:r>
           </a:p>
           <a:p>
             <a:pPr lvl="3"/>
             <a:r>
-              <a:rPr lang="en-US" smtClean="0"/>
+              <a:rPr lang="en-US"/>
               <a:t>Fourth level</a:t>
             </a:r>
           </a:p>
           <a:p>
             <a:pPr lvl="4"/>
             <a:r>
-              <a:rPr lang="en-US" smtClean="0"/>
+              <a:rPr lang="en-US"/>
               <a:t>Fifth level</a:t>
             </a:r>
             <a:endParaRPr lang="en-GB"/>
@@ -763,7 +764,7 @@
           <a:p>
             <a:fld id="{DDDBF486-87FE-4D3C-BEED-0F4FF1B2EFB3}" type="datetimeFigureOut">
               <a:rPr lang="en-GB" smtClean="0"/>
-              <a:t>24/11/2017</a:t>
+              <a:t>12/02/2020</a:t>
             </a:fld>
             <a:endParaRPr lang="en-GB"/>
           </a:p>
@@ -866,7 +867,7 @@
           </a:lstStyle>
           <a:p>
             <a:r>
-              <a:rPr lang="en-US" smtClean="0"/>
+              <a:rPr lang="en-US"/>
               <a:t>Click to edit Master title style</a:t>
             </a:r>
             <a:endParaRPr lang="en-GB"/>
@@ -986,7 +987,7 @@
           <a:p>
             <a:pPr lvl="0"/>
             <a:r>
-              <a:rPr lang="en-US" smtClean="0"/>
+              <a:rPr lang="en-US"/>
               <a:t>Edit Master text styles</a:t>
             </a:r>
           </a:p>
@@ -1009,7 +1010,7 @@
           <a:p>
             <a:fld id="{DDDBF486-87FE-4D3C-BEED-0F4FF1B2EFB3}" type="datetimeFigureOut">
               <a:rPr lang="en-GB" smtClean="0"/>
-              <a:t>24/11/2017</a:t>
+              <a:t>12/02/2020</a:t>
             </a:fld>
             <a:endParaRPr lang="en-GB"/>
           </a:p>
@@ -1103,7 +1104,7 @@
           <a:lstStyle/>
           <a:p>
             <a:r>
-              <a:rPr lang="en-US" smtClean="0"/>
+              <a:rPr lang="en-US"/>
               <a:t>Click to edit Master title style</a:t>
             </a:r>
             <a:endParaRPr lang="en-GB"/>
@@ -1132,35 +1133,35 @@
           <a:p>
             <a:pPr lvl="0"/>
             <a:r>
-              <a:rPr lang="en-US" smtClean="0"/>
+              <a:rPr lang="en-US"/>
               <a:t>Edit Master text styles</a:t>
             </a:r>
           </a:p>
           <a:p>
             <a:pPr lvl="1"/>
             <a:r>
-              <a:rPr lang="en-US" smtClean="0"/>
+              <a:rPr lang="en-US"/>
               <a:t>Second level</a:t>
             </a:r>
           </a:p>
           <a:p>
             <a:pPr lvl="2"/>
             <a:r>
-              <a:rPr lang="en-US" smtClean="0"/>
+              <a:rPr lang="en-US"/>
               <a:t>Third level</a:t>
             </a:r>
           </a:p>
           <a:p>
             <a:pPr lvl="3"/>
             <a:r>
-              <a:rPr lang="en-US" smtClean="0"/>
+              <a:rPr lang="en-US"/>
               <a:t>Fourth level</a:t>
             </a:r>
           </a:p>
           <a:p>
             <a:pPr lvl="4"/>
             <a:r>
-              <a:rPr lang="en-US" smtClean="0"/>
+              <a:rPr lang="en-US"/>
               <a:t>Fifth level</a:t>
             </a:r>
             <a:endParaRPr lang="en-GB"/>
@@ -1189,35 +1190,35 @@
           <a:p>
             <a:pPr lvl="0"/>
             <a:r>
-              <a:rPr lang="en-US" smtClean="0"/>
+              <a:rPr lang="en-US"/>
               <a:t>Edit Master text styles</a:t>
             </a:r>
           </a:p>
           <a:p>
             <a:pPr lvl="1"/>
             <a:r>
-              <a:rPr lang="en-US" smtClean="0"/>
+              <a:rPr lang="en-US"/>
               <a:t>Second level</a:t>
             </a:r>
           </a:p>
           <a:p>
             <a:pPr lvl="2"/>
             <a:r>
-              <a:rPr lang="en-US" smtClean="0"/>
+              <a:rPr lang="en-US"/>
               <a:t>Third level</a:t>
             </a:r>
           </a:p>
           <a:p>
             <a:pPr lvl="3"/>
             <a:r>
-              <a:rPr lang="en-US" smtClean="0"/>
+              <a:rPr lang="en-US"/>
               <a:t>Fourth level</a:t>
             </a:r>
           </a:p>
           <a:p>
             <a:pPr lvl="4"/>
             <a:r>
-              <a:rPr lang="en-US" smtClean="0"/>
+              <a:rPr lang="en-US"/>
               <a:t>Fifth level</a:t>
             </a:r>
             <a:endParaRPr lang="en-GB"/>
@@ -1241,7 +1242,7 @@
           <a:p>
             <a:fld id="{DDDBF486-87FE-4D3C-BEED-0F4FF1B2EFB3}" type="datetimeFigureOut">
               <a:rPr lang="en-GB" smtClean="0"/>
-              <a:t>24/11/2017</a:t>
+              <a:t>12/02/2020</a:t>
             </a:fld>
             <a:endParaRPr lang="en-GB"/>
           </a:p>
@@ -1340,7 +1341,7 @@
           <a:lstStyle/>
           <a:p>
             <a:r>
-              <a:rPr lang="en-US" smtClean="0"/>
+              <a:rPr lang="en-US"/>
               <a:t>Click to edit Master title style</a:t>
             </a:r>
             <a:endParaRPr lang="en-GB"/>
@@ -1406,7 +1407,7 @@
           <a:p>
             <a:pPr lvl="0"/>
             <a:r>
-              <a:rPr lang="en-US" smtClean="0"/>
+              <a:rPr lang="en-US"/>
               <a:t>Edit Master text styles</a:t>
             </a:r>
           </a:p>
@@ -1434,35 +1435,35 @@
           <a:p>
             <a:pPr lvl="0"/>
             <a:r>
-              <a:rPr lang="en-US" smtClean="0"/>
+              <a:rPr lang="en-US"/>
               <a:t>Edit Master text styles</a:t>
             </a:r>
           </a:p>
           <a:p>
             <a:pPr lvl="1"/>
             <a:r>
-              <a:rPr lang="en-US" smtClean="0"/>
+              <a:rPr lang="en-US"/>
               <a:t>Second level</a:t>
             </a:r>
           </a:p>
           <a:p>
             <a:pPr lvl="2"/>
             <a:r>
-              <a:rPr lang="en-US" smtClean="0"/>
+              <a:rPr lang="en-US"/>
               <a:t>Third level</a:t>
             </a:r>
           </a:p>
           <a:p>
             <a:pPr lvl="3"/>
             <a:r>
-              <a:rPr lang="en-US" smtClean="0"/>
+              <a:rPr lang="en-US"/>
               <a:t>Fourth level</a:t>
             </a:r>
           </a:p>
           <a:p>
             <a:pPr lvl="4"/>
             <a:r>
-              <a:rPr lang="en-US" smtClean="0"/>
+              <a:rPr lang="en-US"/>
               <a:t>Fifth level</a:t>
             </a:r>
             <a:endParaRPr lang="en-GB"/>
@@ -1528,7 +1529,7 @@
           <a:p>
             <a:pPr lvl="0"/>
             <a:r>
-              <a:rPr lang="en-US" smtClean="0"/>
+              <a:rPr lang="en-US"/>
               <a:t>Edit Master text styles</a:t>
             </a:r>
           </a:p>
@@ -1556,35 +1557,35 @@
           <a:p>
             <a:pPr lvl="0"/>
             <a:r>
-              <a:rPr lang="en-US" smtClean="0"/>
+              <a:rPr lang="en-US"/>
               <a:t>Edit Master text styles</a:t>
             </a:r>
           </a:p>
           <a:p>
             <a:pPr lvl="1"/>
             <a:r>
-              <a:rPr lang="en-US" smtClean="0"/>
+              <a:rPr lang="en-US"/>
               <a:t>Second level</a:t>
             </a:r>
           </a:p>
           <a:p>
             <a:pPr lvl="2"/>
             <a:r>
-              <a:rPr lang="en-US" smtClean="0"/>
+              <a:rPr lang="en-US"/>
               <a:t>Third level</a:t>
             </a:r>
           </a:p>
           <a:p>
             <a:pPr lvl="3"/>
             <a:r>
-              <a:rPr lang="en-US" smtClean="0"/>
+              <a:rPr lang="en-US"/>
               <a:t>Fourth level</a:t>
             </a:r>
           </a:p>
           <a:p>
             <a:pPr lvl="4"/>
             <a:r>
-              <a:rPr lang="en-US" smtClean="0"/>
+              <a:rPr lang="en-US"/>
               <a:t>Fifth level</a:t>
             </a:r>
             <a:endParaRPr lang="en-GB"/>
@@ -1608,7 +1609,7 @@
           <a:p>
             <a:fld id="{DDDBF486-87FE-4D3C-BEED-0F4FF1B2EFB3}" type="datetimeFigureOut">
               <a:rPr lang="en-GB" smtClean="0"/>
-              <a:t>24/11/2017</a:t>
+              <a:t>12/02/2020</a:t>
             </a:fld>
             <a:endParaRPr lang="en-GB"/>
           </a:p>
@@ -1702,7 +1703,7 @@
           <a:lstStyle/>
           <a:p>
             <a:r>
-              <a:rPr lang="en-US" smtClean="0"/>
+              <a:rPr lang="en-US"/>
               <a:t>Click to edit Master title style</a:t>
             </a:r>
             <a:endParaRPr lang="en-GB"/>
@@ -1726,7 +1727,7 @@
           <a:p>
             <a:fld id="{DDDBF486-87FE-4D3C-BEED-0F4FF1B2EFB3}" type="datetimeFigureOut">
               <a:rPr lang="en-GB" smtClean="0"/>
-              <a:t>24/11/2017</a:t>
+              <a:t>12/02/2020</a:t>
             </a:fld>
             <a:endParaRPr lang="en-GB"/>
           </a:p>
@@ -1821,7 +1822,7 @@
           <a:p>
             <a:fld id="{DDDBF486-87FE-4D3C-BEED-0F4FF1B2EFB3}" type="datetimeFigureOut">
               <a:rPr lang="en-GB" smtClean="0"/>
-              <a:t>24/11/2017</a:t>
+              <a:t>12/02/2020</a:t>
             </a:fld>
             <a:endParaRPr lang="en-GB"/>
           </a:p>
@@ -1924,7 +1925,7 @@
           </a:lstStyle>
           <a:p>
             <a:r>
-              <a:rPr lang="en-US" smtClean="0"/>
+              <a:rPr lang="en-US"/>
               <a:t>Click to edit Master title style</a:t>
             </a:r>
             <a:endParaRPr lang="en-GB"/>
@@ -1981,35 +1982,35 @@
           <a:p>
             <a:pPr lvl="0"/>
             <a:r>
-              <a:rPr lang="en-US" smtClean="0"/>
+              <a:rPr lang="en-US"/>
               <a:t>Edit Master text styles</a:t>
             </a:r>
           </a:p>
           <a:p>
             <a:pPr lvl="1"/>
             <a:r>
-              <a:rPr lang="en-US" smtClean="0"/>
+              <a:rPr lang="en-US"/>
               <a:t>Second level</a:t>
             </a:r>
           </a:p>
           <a:p>
             <a:pPr lvl="2"/>
             <a:r>
-              <a:rPr lang="en-US" smtClean="0"/>
+              <a:rPr lang="en-US"/>
               <a:t>Third level</a:t>
             </a:r>
           </a:p>
           <a:p>
             <a:pPr lvl="3"/>
             <a:r>
-              <a:rPr lang="en-US" smtClean="0"/>
+              <a:rPr lang="en-US"/>
               <a:t>Fourth level</a:t>
             </a:r>
           </a:p>
           <a:p>
             <a:pPr lvl="4"/>
             <a:r>
-              <a:rPr lang="en-US" smtClean="0"/>
+              <a:rPr lang="en-US"/>
               <a:t>Fifth level</a:t>
             </a:r>
             <a:endParaRPr lang="en-GB"/>
@@ -2075,7 +2076,7 @@
           <a:p>
             <a:pPr lvl="0"/>
             <a:r>
-              <a:rPr lang="en-US" smtClean="0"/>
+              <a:rPr lang="en-US"/>
               <a:t>Edit Master text styles</a:t>
             </a:r>
           </a:p>
@@ -2098,7 +2099,7 @@
           <a:p>
             <a:fld id="{DDDBF486-87FE-4D3C-BEED-0F4FF1B2EFB3}" type="datetimeFigureOut">
               <a:rPr lang="en-GB" smtClean="0"/>
-              <a:t>24/11/2017</a:t>
+              <a:t>12/02/2020</a:t>
             </a:fld>
             <a:endParaRPr lang="en-GB"/>
           </a:p>
@@ -2201,7 +2202,7 @@
           </a:lstStyle>
           <a:p>
             <a:r>
-              <a:rPr lang="en-US" smtClean="0"/>
+              <a:rPr lang="en-US"/>
               <a:t>Click to edit Master title style</a:t>
             </a:r>
             <a:endParaRPr lang="en-GB"/>
@@ -2328,7 +2329,7 @@
           <a:p>
             <a:pPr lvl="0"/>
             <a:r>
-              <a:rPr lang="en-US" smtClean="0"/>
+              <a:rPr lang="en-US"/>
               <a:t>Edit Master text styles</a:t>
             </a:r>
           </a:p>
@@ -2351,7 +2352,7 @@
           <a:p>
             <a:fld id="{DDDBF486-87FE-4D3C-BEED-0F4FF1B2EFB3}" type="datetimeFigureOut">
               <a:rPr lang="en-GB" smtClean="0"/>
-              <a:t>24/11/2017</a:t>
+              <a:t>12/02/2020</a:t>
             </a:fld>
             <a:endParaRPr lang="en-GB"/>
           </a:p>
@@ -2460,7 +2461,7 @@
           <a:lstStyle/>
           <a:p>
             <a:r>
-              <a:rPr lang="en-US" smtClean="0"/>
+              <a:rPr lang="en-US"/>
               <a:t>Click to edit Master title style</a:t>
             </a:r>
             <a:endParaRPr lang="en-GB"/>
@@ -2494,35 +2495,35 @@
           <a:p>
             <a:pPr lvl="0"/>
             <a:r>
-              <a:rPr lang="en-US" smtClean="0"/>
+              <a:rPr lang="en-US"/>
               <a:t>Edit Master text styles</a:t>
             </a:r>
           </a:p>
           <a:p>
             <a:pPr lvl="1"/>
             <a:r>
-              <a:rPr lang="en-US" smtClean="0"/>
+              <a:rPr lang="en-US"/>
               <a:t>Second level</a:t>
             </a:r>
           </a:p>
           <a:p>
             <a:pPr lvl="2"/>
             <a:r>
-              <a:rPr lang="en-US" smtClean="0"/>
+              <a:rPr lang="en-US"/>
               <a:t>Third level</a:t>
             </a:r>
           </a:p>
           <a:p>
             <a:pPr lvl="3"/>
             <a:r>
-              <a:rPr lang="en-US" smtClean="0"/>
+              <a:rPr lang="en-US"/>
               <a:t>Fourth level</a:t>
             </a:r>
           </a:p>
           <a:p>
             <a:pPr lvl="4"/>
             <a:r>
-              <a:rPr lang="en-US" smtClean="0"/>
+              <a:rPr lang="en-US"/>
               <a:t>Fifth level</a:t>
             </a:r>
             <a:endParaRPr lang="en-GB"/>
@@ -2564,7 +2565,7 @@
           <a:p>
             <a:fld id="{DDDBF486-87FE-4D3C-BEED-0F4FF1B2EFB3}" type="datetimeFigureOut">
               <a:rPr lang="en-GB" smtClean="0"/>
-              <a:t>24/11/2017</a:t>
+              <a:t>12/02/2020</a:t>
             </a:fld>
             <a:endParaRPr lang="en-GB"/>
           </a:p>
@@ -2971,7 +2972,13 @@
       </p:grpSpPr>
       <p:pic>
         <p:nvPicPr>
-          <p:cNvPr id="4" name="Picture 3"/>
+          <p:cNvPr id="5" name="Picture 4">
+            <a:extLst>
+              <a:ext uri="{FF2B5EF4-FFF2-40B4-BE49-F238E27FC236}">
+                <a16:creationId xmlns:a16="http://schemas.microsoft.com/office/drawing/2014/main" id="{CD7F09DC-CE8A-4D7B-8479-447C3D7AD0B8}"/>
+              </a:ext>
+            </a:extLst>
+          </p:cNvPr>
           <p:cNvPicPr>
             <a:picLocks noChangeAspect="1"/>
           </p:cNvPicPr>
@@ -2985,8 +2992,8 @@
         </p:blipFill>
         <p:spPr>
           <a:xfrm>
-            <a:off x="2700168" y="1583623"/>
-            <a:ext cx="7057353" cy="3852679"/>
+            <a:off x="2780342" y="1578361"/>
+            <a:ext cx="6995078" cy="3989861"/>
           </a:xfrm>
           <a:prstGeom prst="rect">
             <a:avLst/>
@@ -2996,13 +3003,16 @@
       <p:cxnSp>
         <p:nvCxnSpPr>
           <p:cNvPr id="8" name="Straight Arrow Connector 7"/>
-          <p:cNvCxnSpPr/>
+          <p:cNvCxnSpPr>
+            <a:cxnSpLocks/>
+            <a:stCxn id="9" idx="1"/>
+          </p:cNvCxnSpPr>
           <p:nvPr/>
         </p:nvCxnSpPr>
         <p:spPr>
           <a:xfrm flipH="1">
-            <a:off x="4437184" y="631434"/>
-            <a:ext cx="849854" cy="1904377"/>
+            <a:off x="3772753" y="883719"/>
+            <a:ext cx="1696614" cy="1658619"/>
           </a:xfrm>
           <a:prstGeom prst="straightConnector1">
             <a:avLst/>
@@ -3039,8 +3049,8 @@
         </p:nvSpPr>
         <p:spPr>
           <a:xfrm>
-            <a:off x="5308060" y="217264"/>
-            <a:ext cx="3857893" cy="1169551"/>
+            <a:off x="5469367" y="175833"/>
+            <a:ext cx="5296604" cy="1415772"/>
           </a:xfrm>
           <a:prstGeom prst="rect">
             <a:avLst/>
@@ -3054,72 +3064,72 @@
           <a:lstStyle/>
           <a:p>
             <a:r>
-              <a:rPr lang="en-GB" sz="1400" dirty="0" smtClean="0"/>
-              <a:t>Three viewing windows show Axial, Coronal </a:t>
-            </a:r>
-            <a:r>
-              <a:rPr lang="en-GB" sz="1400" smtClean="0"/>
-              <a:t>and </a:t>
-            </a:r>
-            <a:r>
-              <a:rPr lang="en-GB" sz="1400" smtClean="0"/>
-              <a:t>Sagittal </a:t>
-            </a:r>
-            <a:r>
-              <a:rPr lang="en-GB" sz="1400" dirty="0" smtClean="0"/>
-              <a:t>slices. Left click to focus a point, drag to move the image. Right click and drag to zoom. Mouse wheel to move through the slices. Double click to maximise/restore the current view.</a:t>
-            </a:r>
-          </a:p>
-        </p:txBody>
-      </p:sp>
-      <p:cxnSp>
-        <p:nvCxnSpPr>
-          <p:cNvPr id="13" name="Straight Arrow Connector 12"/>
-          <p:cNvCxnSpPr/>
-          <p:nvPr/>
-        </p:nvCxnSpPr>
-        <p:spPr>
-          <a:xfrm>
-            <a:off x="1645920" y="3391544"/>
-            <a:ext cx="1679986" cy="924117"/>
-          </a:xfrm>
-          <a:prstGeom prst="straightConnector1">
-            <a:avLst/>
-          </a:prstGeom>
-          <a:ln w="38100">
-            <a:solidFill>
-              <a:schemeClr val="accent2">
-                <a:lumMod val="75000"/>
-              </a:schemeClr>
-            </a:solidFill>
-            <a:tailEnd type="triangle"/>
-          </a:ln>
-        </p:spPr>
-        <p:style>
-          <a:lnRef idx="1">
-            <a:schemeClr val="dk1"/>
-          </a:lnRef>
-          <a:fillRef idx="0">
-            <a:schemeClr val="dk1"/>
-          </a:fillRef>
-          <a:effectRef idx="0">
-            <a:schemeClr val="dk1"/>
-          </a:effectRef>
-          <a:fontRef idx="minor">
-            <a:schemeClr val="tx1"/>
-          </a:fontRef>
-        </p:style>
-      </p:cxnSp>
-      <p:sp>
-        <p:nvSpPr>
-          <p:cNvPr id="15" name="TextBox 14"/>
+              <a:rPr lang="en-GB" sz="1600" dirty="0"/>
+              <a:t>Three viewing windows show Axial, Coronal and Sagittal slices</a:t>
+            </a:r>
+          </a:p>
+          <a:p>
+            <a:pPr marL="285750" indent="-285750">
+              <a:buFont typeface="Arial" panose="020B0604020202020204" pitchFamily="34" charset="0"/>
+              <a:buChar char="•"/>
+            </a:pPr>
+            <a:r>
+              <a:rPr lang="en-GB" sz="1400" dirty="0"/>
+              <a:t>Left click to focus a point</a:t>
+            </a:r>
+          </a:p>
+          <a:p>
+            <a:pPr marL="285750" indent="-285750">
+              <a:buFont typeface="Arial" panose="020B0604020202020204" pitchFamily="34" charset="0"/>
+              <a:buChar char="•"/>
+            </a:pPr>
+            <a:r>
+              <a:rPr lang="en-GB" sz="1400" dirty="0"/>
+              <a:t>Left click and drag to pan the image</a:t>
+            </a:r>
+          </a:p>
+          <a:p>
+            <a:pPr marL="285750" indent="-285750">
+              <a:buFont typeface="Arial" panose="020B0604020202020204" pitchFamily="34" charset="0"/>
+              <a:buChar char="•"/>
+            </a:pPr>
+            <a:r>
+              <a:rPr lang="en-GB" sz="1400" dirty="0"/>
+              <a:t>Right click and drag to zoom</a:t>
+            </a:r>
+          </a:p>
+          <a:p>
+            <a:pPr marL="285750" indent="-285750">
+              <a:buFont typeface="Arial" panose="020B0604020202020204" pitchFamily="34" charset="0"/>
+              <a:buChar char="•"/>
+            </a:pPr>
+            <a:r>
+              <a:rPr lang="en-GB" sz="1400" dirty="0"/>
+              <a:t>Mouse wheel to move through the slices</a:t>
+            </a:r>
+          </a:p>
+          <a:p>
+            <a:pPr marL="285750" indent="-285750">
+              <a:buFont typeface="Arial" panose="020B0604020202020204" pitchFamily="34" charset="0"/>
+              <a:buChar char="•"/>
+            </a:pPr>
+            <a:r>
+              <a:rPr lang="en-GB" sz="1400" dirty="0"/>
+              <a:t>Double click to maximise the current slice window</a:t>
+            </a:r>
+          </a:p>
+        </p:txBody>
+      </p:sp>
+      <p:sp>
+        <p:nvSpPr>
+          <p:cNvPr id="16" name="TextBox 15"/>
           <p:cNvSpPr txBox="1"/>
           <p:nvPr/>
         </p:nvSpPr>
         <p:spPr>
           <a:xfrm>
-            <a:off x="-1" y="3069082"/>
-            <a:ext cx="2571077" cy="307777"/>
+            <a:off x="786109" y="4264797"/>
+            <a:ext cx="1697904" cy="830997"/>
           </a:xfrm>
           <a:prstGeom prst="rect">
             <a:avLst/>
@@ -3133,22 +3143,22 @@
           <a:lstStyle/>
           <a:p>
             <a:r>
-              <a:rPr lang="en-GB" sz="1400" dirty="0" smtClean="0"/>
-              <a:t>Current main volume filename</a:t>
-            </a:r>
-          </a:p>
-        </p:txBody>
-      </p:sp>
-      <p:sp>
-        <p:nvSpPr>
-          <p:cNvPr id="16" name="TextBox 15"/>
+              <a:rPr lang="en-GB" sz="1600" dirty="0"/>
+              <a:t>Navigation sliders for the four image dimensions</a:t>
+            </a:r>
+          </a:p>
+        </p:txBody>
+      </p:sp>
+      <p:sp>
+        <p:nvSpPr>
+          <p:cNvPr id="17" name="TextBox 16"/>
           <p:cNvSpPr txBox="1"/>
           <p:nvPr/>
         </p:nvSpPr>
         <p:spPr>
           <a:xfrm>
-            <a:off x="0" y="4568204"/>
-            <a:ext cx="2571077" cy="523220"/>
+            <a:off x="1344257" y="5865523"/>
+            <a:ext cx="2571077" cy="830997"/>
           </a:xfrm>
           <a:prstGeom prst="rect">
             <a:avLst/>
@@ -3162,22 +3172,22 @@
           <a:lstStyle/>
           <a:p>
             <a:r>
-              <a:rPr lang="en-GB" sz="1400" dirty="0" smtClean="0"/>
-              <a:t>Navigation sliders for the four image dimensions</a:t>
-            </a:r>
-          </a:p>
-        </p:txBody>
-      </p:sp>
-      <p:sp>
-        <p:nvSpPr>
-          <p:cNvPr id="17" name="TextBox 16"/>
+              <a:rPr lang="en-GB" sz="1600" dirty="0"/>
+              <a:t>Choose between loaded regions of interest and how they should be displayed</a:t>
+            </a:r>
+          </a:p>
+        </p:txBody>
+      </p:sp>
+      <p:sp>
+        <p:nvSpPr>
+          <p:cNvPr id="18" name="TextBox 17"/>
           <p:cNvSpPr txBox="1"/>
           <p:nvPr/>
         </p:nvSpPr>
         <p:spPr>
           <a:xfrm>
-            <a:off x="553327" y="5709439"/>
-            <a:ext cx="2571077" cy="738664"/>
+            <a:off x="4441080" y="5865799"/>
+            <a:ext cx="2275076" cy="830997"/>
           </a:xfrm>
           <a:prstGeom prst="rect">
             <a:avLst/>
@@ -3191,37 +3201,8 @@
           <a:lstStyle/>
           <a:p>
             <a:r>
-              <a:rPr lang="en-GB" sz="1400" dirty="0" smtClean="0"/>
-              <a:t>Choose between loaded regions of interest and how they should be displayed</a:t>
-            </a:r>
-          </a:p>
-        </p:txBody>
-      </p:sp>
-      <p:sp>
-        <p:nvSpPr>
-          <p:cNvPr id="18" name="TextBox 17"/>
-          <p:cNvSpPr txBox="1"/>
-          <p:nvPr/>
-        </p:nvSpPr>
-        <p:spPr>
-          <a:xfrm>
-            <a:off x="3251337" y="5829443"/>
-            <a:ext cx="2275076" cy="738664"/>
-          </a:xfrm>
-          <a:prstGeom prst="rect">
-            <a:avLst/>
-          </a:prstGeom>
-          <a:noFill/>
-        </p:spPr>
-        <p:txBody>
-          <a:bodyPr wrap="square" rtlCol="0">
-            <a:spAutoFit/>
-          </a:bodyPr>
-          <a:lstStyle/>
-          <a:p>
-            <a:r>
-              <a:rPr lang="en-GB" sz="1400" dirty="0" smtClean="0"/>
-              <a:t>Choose current displayed overlay and how it should be displayed</a:t>
+              <a:rPr lang="en-GB" sz="1600" dirty="0"/>
+              <a:t>Choose between loaded data sets and set view options</a:t>
             </a:r>
           </a:p>
         </p:txBody>
@@ -3229,13 +3210,15 @@
       <p:cxnSp>
         <p:nvCxnSpPr>
           <p:cNvPr id="19" name="Straight Arrow Connector 18"/>
-          <p:cNvCxnSpPr/>
+          <p:cNvCxnSpPr>
+            <a:cxnSpLocks/>
+          </p:cNvCxnSpPr>
           <p:nvPr/>
         </p:nvCxnSpPr>
         <p:spPr>
-          <a:xfrm flipV="1">
-            <a:off x="2053813" y="4798293"/>
-            <a:ext cx="1151966" cy="98282"/>
+          <a:xfrm>
+            <a:off x="2053813" y="4896575"/>
+            <a:ext cx="833730" cy="115975"/>
           </a:xfrm>
           <a:prstGeom prst="straightConnector1">
             <a:avLst/>
@@ -3267,13 +3250,15 @@
       <p:cxnSp>
         <p:nvCxnSpPr>
           <p:cNvPr id="22" name="Straight Arrow Connector 21"/>
-          <p:cNvCxnSpPr/>
+          <p:cNvCxnSpPr>
+            <a:cxnSpLocks/>
+          </p:cNvCxnSpPr>
           <p:nvPr/>
         </p:nvCxnSpPr>
         <p:spPr>
           <a:xfrm flipV="1">
-            <a:off x="2473796" y="5037715"/>
-            <a:ext cx="1767078" cy="671724"/>
+            <a:off x="3319843" y="5239703"/>
+            <a:ext cx="1547933" cy="599123"/>
           </a:xfrm>
           <a:prstGeom prst="straightConnector1">
             <a:avLst/>
@@ -3310,7 +3295,7 @@
         </p:nvCxnSpPr>
         <p:spPr>
           <a:xfrm flipV="1">
-            <a:off x="4813247" y="5204352"/>
+            <a:off x="5909263" y="5266457"/>
             <a:ext cx="95184" cy="603529"/>
           </a:xfrm>
           <a:prstGeom prst="straightConnector1">
@@ -3348,8 +3333,8 @@
         </p:nvSpPr>
         <p:spPr>
           <a:xfrm>
-            <a:off x="9464122" y="5711635"/>
-            <a:ext cx="2275076" cy="307777"/>
+            <a:off x="9960147" y="4032579"/>
+            <a:ext cx="1556939" cy="584775"/>
           </a:xfrm>
           <a:prstGeom prst="rect">
             <a:avLst/>
@@ -3363,8 +3348,8 @@
           <a:lstStyle/>
           <a:p>
             <a:r>
-              <a:rPr lang="en-GB" sz="1400" dirty="0" smtClean="0"/>
-              <a:t>List of all loaded volumes</a:t>
+              <a:rPr lang="en-GB" sz="1600" dirty="0"/>
+              <a:t>List of currently loaded data sets</a:t>
             </a:r>
           </a:p>
         </p:txBody>
@@ -3372,13 +3357,16 @@
       <p:cxnSp>
         <p:nvCxnSpPr>
           <p:cNvPr id="30" name="Straight Arrow Connector 29"/>
-          <p:cNvCxnSpPr/>
+          <p:cNvCxnSpPr>
+            <a:cxnSpLocks/>
+            <a:stCxn id="28" idx="1"/>
+          </p:cNvCxnSpPr>
           <p:nvPr/>
         </p:nvCxnSpPr>
         <p:spPr>
           <a:xfrm flipH="1" flipV="1">
-            <a:off x="8260130" y="4833524"/>
-            <a:ext cx="1767178" cy="799586"/>
+            <a:off x="8327573" y="3918861"/>
+            <a:ext cx="1632574" cy="406106"/>
           </a:xfrm>
           <a:prstGeom prst="straightConnector1">
             <a:avLst/>
@@ -3407,54 +3395,16 @@
           </a:fontRef>
         </p:style>
       </p:cxnSp>
-      <p:cxnSp>
-        <p:nvCxnSpPr>
-          <p:cNvPr id="37" name="Straight Arrow Connector 36"/>
-          <p:cNvCxnSpPr/>
-          <p:nvPr/>
-        </p:nvCxnSpPr>
-        <p:spPr>
-          <a:xfrm flipH="1" flipV="1">
-            <a:off x="5178218" y="4315662"/>
-            <a:ext cx="621484" cy="1393777"/>
-          </a:xfrm>
-          <a:prstGeom prst="straightConnector1">
-            <a:avLst/>
-          </a:prstGeom>
-          <a:ln w="38100">
-            <a:solidFill>
-              <a:schemeClr val="accent2">
-                <a:lumMod val="75000"/>
-              </a:schemeClr>
-            </a:solidFill>
-            <a:tailEnd type="triangle"/>
-          </a:ln>
-        </p:spPr>
-        <p:style>
-          <a:lnRef idx="1">
-            <a:schemeClr val="dk1"/>
-          </a:lnRef>
-          <a:fillRef idx="0">
-            <a:schemeClr val="dk1"/>
-          </a:fillRef>
-          <a:effectRef idx="0">
-            <a:schemeClr val="dk1"/>
-          </a:effectRef>
-          <a:fontRef idx="minor">
-            <a:schemeClr val="tx1"/>
-          </a:fontRef>
-        </p:style>
-      </p:cxnSp>
-      <p:sp>
-        <p:nvSpPr>
-          <p:cNvPr id="42" name="TextBox 41"/>
+      <p:sp>
+        <p:nvSpPr>
+          <p:cNvPr id="46" name="TextBox 45"/>
           <p:cNvSpPr txBox="1"/>
           <p:nvPr/>
         </p:nvSpPr>
         <p:spPr>
           <a:xfrm>
-            <a:off x="5701344" y="5692991"/>
-            <a:ext cx="1615672" cy="954107"/>
+            <a:off x="7404070" y="5884431"/>
+            <a:ext cx="1572433" cy="830997"/>
           </a:xfrm>
           <a:prstGeom prst="rect">
             <a:avLst/>
@@ -3468,37 +3418,8 @@
           <a:lstStyle/>
           <a:p>
             <a:r>
-              <a:rPr lang="en-GB" sz="1400" dirty="0" smtClean="0"/>
-              <a:t>Data value, ROI region and overlay data value at current position</a:t>
-            </a:r>
-          </a:p>
-        </p:txBody>
-      </p:sp>
-      <p:sp>
-        <p:nvSpPr>
-          <p:cNvPr id="46" name="TextBox 45"/>
-          <p:cNvSpPr txBox="1"/>
-          <p:nvPr/>
-        </p:nvSpPr>
-        <p:spPr>
-          <a:xfrm>
-            <a:off x="7362645" y="5709439"/>
-            <a:ext cx="1108060" cy="523220"/>
-          </a:xfrm>
-          <a:prstGeom prst="rect">
-            <a:avLst/>
-          </a:prstGeom>
-          <a:noFill/>
-        </p:spPr>
-        <p:txBody>
-          <a:bodyPr wrap="square" rtlCol="0">
-            <a:spAutoFit/>
-          </a:bodyPr>
-          <a:lstStyle/>
-          <a:p>
-            <a:r>
-              <a:rPr lang="en-GB" sz="1400" dirty="0" smtClean="0"/>
-              <a:t>View options</a:t>
+              <a:rPr lang="en-GB" sz="1600" dirty="0"/>
+              <a:t>Save, delete, reload, rename data sets</a:t>
             </a:r>
           </a:p>
         </p:txBody>
@@ -3506,13 +3427,15 @@
       <p:cxnSp>
         <p:nvCxnSpPr>
           <p:cNvPr id="47" name="Straight Arrow Connector 46"/>
-          <p:cNvCxnSpPr/>
+          <p:cNvCxnSpPr>
+            <a:cxnSpLocks/>
+          </p:cNvCxnSpPr>
           <p:nvPr/>
         </p:nvCxnSpPr>
         <p:spPr>
           <a:xfrm flipH="1" flipV="1">
-            <a:off x="5622605" y="4315661"/>
-            <a:ext cx="2056618" cy="1393778"/>
+            <a:off x="7679223" y="5353083"/>
+            <a:ext cx="202034" cy="576768"/>
           </a:xfrm>
           <a:prstGeom prst="straightConnector1">
             <a:avLst/>
@@ -3544,13 +3467,15 @@
       <p:cxnSp>
         <p:nvCxnSpPr>
           <p:cNvPr id="50" name="Straight Arrow Connector 49"/>
-          <p:cNvCxnSpPr/>
+          <p:cNvCxnSpPr>
+            <a:cxnSpLocks/>
+          </p:cNvCxnSpPr>
           <p:nvPr/>
         </p:nvCxnSpPr>
         <p:spPr>
           <a:xfrm flipH="1">
-            <a:off x="5997046" y="2678654"/>
-            <a:ext cx="3986847" cy="518938"/>
+            <a:off x="7108371" y="2678654"/>
+            <a:ext cx="2875523" cy="390427"/>
           </a:xfrm>
           <a:prstGeom prst="straightConnector1">
             <a:avLst/>
@@ -3587,8 +3512,8 @@
         </p:nvSpPr>
         <p:spPr>
           <a:xfrm>
-            <a:off x="10027308" y="2376584"/>
-            <a:ext cx="1933888" cy="1384995"/>
+            <a:off x="9994558" y="1981170"/>
+            <a:ext cx="1933888" cy="1077218"/>
           </a:xfrm>
           <a:prstGeom prst="rect">
             <a:avLst/>
@@ -3602,8 +3527,8 @@
           <a:lstStyle/>
           <a:p>
             <a:r>
-              <a:rPr lang="en-GB" sz="1400" dirty="0" smtClean="0"/>
-              <a:t>Tabs show currently opened widgets. Click to use the tool – currently the volume overview widget is showing.</a:t>
+              <a:rPr lang="en-GB" sz="1600" dirty="0"/>
+              <a:t>Currently opened widgets – currently the ‘Data Overview’ widget is showing.</a:t>
             </a:r>
           </a:p>
         </p:txBody>
@@ -3616,8 +3541,8 @@
         </p:nvSpPr>
         <p:spPr>
           <a:xfrm>
-            <a:off x="973143" y="452932"/>
-            <a:ext cx="1933888" cy="954107"/>
+            <a:off x="1342660" y="431475"/>
+            <a:ext cx="1933888" cy="830997"/>
           </a:xfrm>
           <a:prstGeom prst="rect">
             <a:avLst/>
@@ -3631,9 +3556,10 @@
           <a:lstStyle/>
           <a:p>
             <a:r>
-              <a:rPr lang="en-GB" sz="1400" dirty="0" smtClean="0"/>
-              <a:t>Additional widgets can be opened from the menu. They then appear in the tab list</a:t>
-            </a:r>
+              <a:rPr lang="en-GB" sz="1600" dirty="0"/>
+              <a:t>Additional widgets can be opened from the menu. </a:t>
+            </a:r>
+            <a:endParaRPr lang="en-GB" sz="1400" dirty="0"/>
           </a:p>
         </p:txBody>
       </p:sp>
@@ -3683,8 +3609,8 @@
         </p:nvSpPr>
         <p:spPr>
           <a:xfrm>
-            <a:off x="39751" y="1754455"/>
-            <a:ext cx="1933888" cy="738664"/>
+            <a:off x="520476" y="2685711"/>
+            <a:ext cx="2133764" cy="830997"/>
           </a:xfrm>
           <a:prstGeom prst="rect">
             <a:avLst/>
@@ -3698,7 +3624,7 @@
           <a:lstStyle/>
           <a:p>
             <a:r>
-              <a:rPr lang="en-GB" sz="1400" dirty="0" smtClean="0"/>
+              <a:rPr lang="en-GB" sz="1600" dirty="0"/>
               <a:t>Volumes can be loaded from the File menu, or by drag and drop</a:t>
             </a:r>
           </a:p>
@@ -3707,13 +3633,96 @@
       <p:cxnSp>
         <p:nvCxnSpPr>
           <p:cNvPr id="70" name="Straight Arrow Connector 69"/>
-          <p:cNvCxnSpPr/>
+          <p:cNvCxnSpPr>
+            <a:cxnSpLocks/>
+          </p:cNvCxnSpPr>
           <p:nvPr/>
         </p:nvCxnSpPr>
         <p:spPr>
           <a:xfrm flipV="1">
-            <a:off x="1838865" y="1849023"/>
-            <a:ext cx="941477" cy="133979"/>
+            <a:off x="1940087" y="1849024"/>
+            <a:ext cx="840255" cy="758404"/>
+          </a:xfrm>
+          <a:prstGeom prst="straightConnector1">
+            <a:avLst/>
+          </a:prstGeom>
+          <a:ln w="38100">
+            <a:solidFill>
+              <a:schemeClr val="accent2">
+                <a:lumMod val="75000"/>
+              </a:schemeClr>
+            </a:solidFill>
+            <a:tailEnd type="triangle"/>
+          </a:ln>
+        </p:spPr>
+        <p:style>
+          <a:lnRef idx="1">
+            <a:schemeClr val="dk1"/>
+          </a:lnRef>
+          <a:fillRef idx="0">
+            <a:schemeClr val="dk1"/>
+          </a:fillRef>
+          <a:effectRef idx="0">
+            <a:schemeClr val="dk1"/>
+          </a:effectRef>
+          <a:fontRef idx="minor">
+            <a:schemeClr val="tx1"/>
+          </a:fontRef>
+        </p:style>
+      </p:cxnSp>
+      <p:sp>
+        <p:nvSpPr>
+          <p:cNvPr id="40" name="TextBox 39">
+            <a:extLst>
+              <a:ext uri="{FF2B5EF4-FFF2-40B4-BE49-F238E27FC236}">
+                <a16:creationId xmlns:a16="http://schemas.microsoft.com/office/drawing/2014/main" id="{9ABF3721-E0FE-431C-972B-6E0555E45B8E}"/>
+              </a:ext>
+            </a:extLst>
+          </p:cNvPr>
+          <p:cNvSpPr txBox="1"/>
+          <p:nvPr/>
+        </p:nvSpPr>
+        <p:spPr>
+          <a:xfrm>
+            <a:off x="10071749" y="5232385"/>
+            <a:ext cx="1745414" cy="1323439"/>
+          </a:xfrm>
+          <a:prstGeom prst="rect">
+            <a:avLst/>
+          </a:prstGeom>
+          <a:noFill/>
+        </p:spPr>
+        <p:txBody>
+          <a:bodyPr wrap="square" rtlCol="0">
+            <a:spAutoFit/>
+          </a:bodyPr>
+          <a:lstStyle/>
+          <a:p>
+            <a:r>
+              <a:rPr lang="en-GB" sz="1600" dirty="0"/>
+              <a:t>Set viewer options and toggle between single/multi overlay modes</a:t>
+            </a:r>
+          </a:p>
+        </p:txBody>
+      </p:sp>
+      <p:cxnSp>
+        <p:nvCxnSpPr>
+          <p:cNvPr id="41" name="Straight Arrow Connector 40">
+            <a:extLst>
+              <a:ext uri="{FF2B5EF4-FFF2-40B4-BE49-F238E27FC236}">
+                <a16:creationId xmlns:a16="http://schemas.microsoft.com/office/drawing/2014/main" id="{689047CF-3D31-45A4-9086-EC94B46DAFCA}"/>
+              </a:ext>
+            </a:extLst>
+          </p:cNvPr>
+          <p:cNvCxnSpPr>
+            <a:cxnSpLocks/>
+          </p:cNvCxnSpPr>
+          <p:nvPr/>
+        </p:nvCxnSpPr>
+        <p:spPr>
+          <a:xfrm flipH="1" flipV="1">
+            <a:off x="9479877" y="5451167"/>
+            <a:ext cx="549670" cy="247860"/>
           </a:xfrm>
           <a:prstGeom prst="straightConnector1">
             <a:avLst/>
@@ -3746,6 +3755,428 @@
     <p:extLst>
       <p:ext uri="{BB962C8B-B14F-4D97-AF65-F5344CB8AC3E}">
         <p14:creationId xmlns:p14="http://schemas.microsoft.com/office/powerpoint/2010/main" val="2087335945"/>
+      </p:ext>
+    </p:extLst>
+  </p:cSld>
+  <p:clrMapOvr>
+    <a:masterClrMapping/>
+  </p:clrMapOvr>
+</p:sld>
+</file>
+
+<file path=ppt/slides/slide2.xml><?xml version="1.0" encoding="utf-8"?>
+<p:sld xmlns:a="http://schemas.openxmlformats.org/drawingml/2006/main" xmlns:r="http://schemas.openxmlformats.org/officeDocument/2006/relationships" xmlns:p="http://schemas.openxmlformats.org/presentationml/2006/main">
+  <p:cSld>
+    <p:spTree>
+      <p:nvGrpSpPr>
+        <p:cNvPr id="1" name=""/>
+        <p:cNvGrpSpPr/>
+        <p:nvPr/>
+      </p:nvGrpSpPr>
+      <p:grpSpPr>
+        <a:xfrm>
+          <a:off x="0" y="0"/>
+          <a:ext cx="0" cy="0"/>
+          <a:chOff x="0" y="0"/>
+          <a:chExt cx="0" cy="0"/>
+        </a:xfrm>
+      </p:grpSpPr>
+      <p:pic>
+        <p:nvPicPr>
+          <p:cNvPr id="4" name="Picture 3">
+            <a:extLst>
+              <a:ext uri="{FF2B5EF4-FFF2-40B4-BE49-F238E27FC236}">
+                <a16:creationId xmlns:a16="http://schemas.microsoft.com/office/drawing/2014/main" id="{3F64E2AC-7737-4519-A14C-52C87FCFF8C1}"/>
+              </a:ext>
+            </a:extLst>
+          </p:cNvPr>
+          <p:cNvPicPr>
+            <a:picLocks noChangeAspect="1"/>
+          </p:cNvPicPr>
+          <p:nvPr/>
+        </p:nvPicPr>
+        <p:blipFill rotWithShape="1">
+          <a:blip r:embed="rId2"/>
+          <a:srcRect t="77954" r="43574" b="2986"/>
+          <a:stretch/>
+        </p:blipFill>
+        <p:spPr>
+          <a:xfrm>
+            <a:off x="1893934" y="1483568"/>
+            <a:ext cx="7748768" cy="1492898"/>
+          </a:xfrm>
+          <a:prstGeom prst="rect">
+            <a:avLst/>
+          </a:prstGeom>
+        </p:spPr>
+      </p:pic>
+      <p:sp>
+        <p:nvSpPr>
+          <p:cNvPr id="5" name="TextBox 4">
+            <a:extLst>
+              <a:ext uri="{FF2B5EF4-FFF2-40B4-BE49-F238E27FC236}">
+                <a16:creationId xmlns:a16="http://schemas.microsoft.com/office/drawing/2014/main" id="{8EE02B15-E1A2-4238-82C1-BE45305454D6}"/>
+              </a:ext>
+            </a:extLst>
+          </p:cNvPr>
+          <p:cNvSpPr txBox="1"/>
+          <p:nvPr/>
+        </p:nvSpPr>
+        <p:spPr>
+          <a:xfrm>
+            <a:off x="4610951" y="3180291"/>
+            <a:ext cx="2797555" cy="1846659"/>
+          </a:xfrm>
+          <a:prstGeom prst="rect">
+            <a:avLst/>
+          </a:prstGeom>
+          <a:noFill/>
+        </p:spPr>
+        <p:txBody>
+          <a:bodyPr wrap="square" rtlCol="0">
+            <a:spAutoFit/>
+          </a:bodyPr>
+          <a:lstStyle/>
+          <a:p>
+            <a:r>
+              <a:rPr lang="en-GB" sz="1600" dirty="0"/>
+              <a:t>Region of interest view options</a:t>
+            </a:r>
+          </a:p>
+          <a:p>
+            <a:pPr marL="285750" indent="-285750">
+              <a:buFont typeface="Arial" panose="020B0604020202020204" pitchFamily="34" charset="0"/>
+              <a:buChar char="•"/>
+            </a:pPr>
+            <a:r>
+              <a:rPr lang="en-GB" sz="1400" dirty="0"/>
+              <a:t>Choose an ROI to view</a:t>
+            </a:r>
+          </a:p>
+          <a:p>
+            <a:pPr marL="285750" indent="-285750">
+              <a:buFont typeface="Arial" panose="020B0604020202020204" pitchFamily="34" charset="0"/>
+              <a:buChar char="•"/>
+            </a:pPr>
+            <a:r>
+              <a:rPr lang="en-GB" sz="1400" dirty="0"/>
+              <a:t>Switch between shaded view, outline view or both</a:t>
+            </a:r>
+          </a:p>
+          <a:p>
+            <a:pPr marL="285750" indent="-285750">
+              <a:buFont typeface="Arial" panose="020B0604020202020204" pitchFamily="34" charset="0"/>
+              <a:buChar char="•"/>
+            </a:pPr>
+            <a:r>
+              <a:rPr lang="en-GB" sz="1400" dirty="0"/>
+              <a:t>Change transparency of shaded overlay</a:t>
+            </a:r>
+          </a:p>
+          <a:p>
+            <a:pPr marL="285750" indent="-285750">
+              <a:buFont typeface="Arial" panose="020B0604020202020204" pitchFamily="34" charset="0"/>
+              <a:buChar char="•"/>
+            </a:pPr>
+            <a:r>
+              <a:rPr lang="en-GB" sz="1400" dirty="0"/>
+              <a:t>Displays region value / label at the current position</a:t>
+            </a:r>
+          </a:p>
+        </p:txBody>
+      </p:sp>
+      <p:sp>
+        <p:nvSpPr>
+          <p:cNvPr id="6" name="TextBox 5">
+            <a:extLst>
+              <a:ext uri="{FF2B5EF4-FFF2-40B4-BE49-F238E27FC236}">
+                <a16:creationId xmlns:a16="http://schemas.microsoft.com/office/drawing/2014/main" id="{F1899F37-CA8A-4F8B-9C60-C72C7DA4148E}"/>
+              </a:ext>
+            </a:extLst>
+          </p:cNvPr>
+          <p:cNvSpPr txBox="1"/>
+          <p:nvPr/>
+        </p:nvSpPr>
+        <p:spPr>
+          <a:xfrm>
+            <a:off x="7968342" y="3180291"/>
+            <a:ext cx="2873829" cy="1846659"/>
+          </a:xfrm>
+          <a:prstGeom prst="rect">
+            <a:avLst/>
+          </a:prstGeom>
+          <a:noFill/>
+        </p:spPr>
+        <p:txBody>
+          <a:bodyPr wrap="square" rtlCol="0">
+            <a:spAutoFit/>
+          </a:bodyPr>
+          <a:lstStyle/>
+          <a:p>
+            <a:r>
+              <a:rPr lang="en-GB" sz="1600" dirty="0"/>
+              <a:t>Data view options</a:t>
+            </a:r>
+          </a:p>
+          <a:p>
+            <a:pPr marL="285750" indent="-285750">
+              <a:buFont typeface="Arial" panose="020B0604020202020204" pitchFamily="34" charset="0"/>
+              <a:buChar char="•"/>
+            </a:pPr>
+            <a:r>
+              <a:rPr lang="en-GB" sz="1400" dirty="0"/>
+              <a:t>Choose a data set to view</a:t>
+            </a:r>
+          </a:p>
+          <a:p>
+            <a:pPr marL="285750" indent="-285750">
+              <a:buFont typeface="Arial" panose="020B0604020202020204" pitchFamily="34" charset="0"/>
+              <a:buChar char="•"/>
+            </a:pPr>
+            <a:r>
+              <a:rPr lang="en-GB" sz="1400" dirty="0"/>
+              <a:t>Toggle visible / hidden</a:t>
+            </a:r>
+          </a:p>
+          <a:p>
+            <a:pPr marL="285750" indent="-285750">
+              <a:buFont typeface="Arial" panose="020B0604020202020204" pitchFamily="34" charset="0"/>
+              <a:buChar char="•"/>
+            </a:pPr>
+            <a:r>
+              <a:rPr lang="en-GB" sz="1400" dirty="0"/>
+              <a:t>Change colour map and max/min levels</a:t>
+            </a:r>
+          </a:p>
+          <a:p>
+            <a:pPr marL="285750" indent="-285750">
+              <a:buFont typeface="Arial" panose="020B0604020202020204" pitchFamily="34" charset="0"/>
+              <a:buChar char="•"/>
+            </a:pPr>
+            <a:r>
+              <a:rPr lang="en-GB" sz="1400" dirty="0"/>
+              <a:t>Change transparency</a:t>
+            </a:r>
+          </a:p>
+          <a:p>
+            <a:pPr marL="285750" indent="-285750">
+              <a:buFont typeface="Arial" panose="020B0604020202020204" pitchFamily="34" charset="0"/>
+              <a:buChar char="•"/>
+            </a:pPr>
+            <a:r>
+              <a:rPr lang="en-GB" sz="1400" dirty="0"/>
+              <a:t>Displays data value at current position</a:t>
+            </a:r>
+          </a:p>
+        </p:txBody>
+      </p:sp>
+      <p:sp>
+        <p:nvSpPr>
+          <p:cNvPr id="7" name="TextBox 6">
+            <a:extLst>
+              <a:ext uri="{FF2B5EF4-FFF2-40B4-BE49-F238E27FC236}">
+                <a16:creationId xmlns:a16="http://schemas.microsoft.com/office/drawing/2014/main" id="{CE59A3CF-0FE0-4332-8C25-88ACB9E7DB75}"/>
+              </a:ext>
+            </a:extLst>
+          </p:cNvPr>
+          <p:cNvSpPr txBox="1"/>
+          <p:nvPr/>
+        </p:nvSpPr>
+        <p:spPr>
+          <a:xfrm>
+            <a:off x="1626636" y="3180290"/>
+            <a:ext cx="2873829" cy="984885"/>
+          </a:xfrm>
+          <a:prstGeom prst="rect">
+            <a:avLst/>
+          </a:prstGeom>
+          <a:noFill/>
+        </p:spPr>
+        <p:txBody>
+          <a:bodyPr wrap="square" rtlCol="0">
+            <a:spAutoFit/>
+          </a:bodyPr>
+          <a:lstStyle/>
+          <a:p>
+            <a:r>
+              <a:rPr lang="en-GB" sz="1600" dirty="0"/>
+              <a:t>Navigation</a:t>
+            </a:r>
+          </a:p>
+          <a:p>
+            <a:pPr marL="285750" indent="-285750">
+              <a:buFont typeface="Arial" panose="020B0604020202020204" pitchFamily="34" charset="0"/>
+              <a:buChar char="•"/>
+            </a:pPr>
+            <a:r>
+              <a:rPr lang="en-GB" sz="1400" dirty="0"/>
+              <a:t>Displays current focus position</a:t>
+            </a:r>
+          </a:p>
+          <a:p>
+            <a:pPr marL="285750" indent="-285750">
+              <a:buFont typeface="Arial" panose="020B0604020202020204" pitchFamily="34" charset="0"/>
+              <a:buChar char="•"/>
+            </a:pPr>
+            <a:r>
+              <a:rPr lang="en-GB" sz="1400" dirty="0"/>
+              <a:t>Change position by slice</a:t>
+            </a:r>
+          </a:p>
+          <a:p>
+            <a:pPr marL="285750" indent="-285750">
+              <a:buFont typeface="Arial" panose="020B0604020202020204" pitchFamily="34" charset="0"/>
+              <a:buChar char="•"/>
+            </a:pPr>
+            <a:r>
+              <a:rPr lang="en-GB" sz="1400" dirty="0"/>
+              <a:t>Select visible volume for 4D data</a:t>
+            </a:r>
+          </a:p>
+        </p:txBody>
+      </p:sp>
+      <p:cxnSp>
+        <p:nvCxnSpPr>
+          <p:cNvPr id="8" name="Straight Arrow Connector 7">
+            <a:extLst>
+              <a:ext uri="{FF2B5EF4-FFF2-40B4-BE49-F238E27FC236}">
+                <a16:creationId xmlns:a16="http://schemas.microsoft.com/office/drawing/2014/main" id="{199AB635-BED8-49B2-B3F9-36CDCB7F380C}"/>
+              </a:ext>
+            </a:extLst>
+          </p:cNvPr>
+          <p:cNvCxnSpPr>
+            <a:cxnSpLocks/>
+          </p:cNvCxnSpPr>
+          <p:nvPr/>
+        </p:nvCxnSpPr>
+        <p:spPr>
+          <a:xfrm flipV="1">
+            <a:off x="2472612" y="2761861"/>
+            <a:ext cx="951723" cy="418429"/>
+          </a:xfrm>
+          <a:prstGeom prst="straightConnector1">
+            <a:avLst/>
+          </a:prstGeom>
+          <a:ln w="38100">
+            <a:solidFill>
+              <a:schemeClr val="accent2">
+                <a:lumMod val="75000"/>
+              </a:schemeClr>
+            </a:solidFill>
+            <a:tailEnd type="triangle"/>
+          </a:ln>
+        </p:spPr>
+        <p:style>
+          <a:lnRef idx="1">
+            <a:schemeClr val="dk1"/>
+          </a:lnRef>
+          <a:fillRef idx="0">
+            <a:schemeClr val="dk1"/>
+          </a:fillRef>
+          <a:effectRef idx="0">
+            <a:schemeClr val="dk1"/>
+          </a:effectRef>
+          <a:fontRef idx="minor">
+            <a:schemeClr val="tx1"/>
+          </a:fontRef>
+        </p:style>
+      </p:cxnSp>
+      <p:cxnSp>
+        <p:nvCxnSpPr>
+          <p:cNvPr id="11" name="Straight Arrow Connector 10">
+            <a:extLst>
+              <a:ext uri="{FF2B5EF4-FFF2-40B4-BE49-F238E27FC236}">
+                <a16:creationId xmlns:a16="http://schemas.microsoft.com/office/drawing/2014/main" id="{31D0D54F-1464-4FC0-ABD3-996DCF5F7079}"/>
+              </a:ext>
+            </a:extLst>
+          </p:cNvPr>
+          <p:cNvCxnSpPr>
+            <a:cxnSpLocks/>
+          </p:cNvCxnSpPr>
+          <p:nvPr/>
+        </p:nvCxnSpPr>
+        <p:spPr>
+          <a:xfrm flipV="1">
+            <a:off x="5654351" y="2416629"/>
+            <a:ext cx="113967" cy="763661"/>
+          </a:xfrm>
+          <a:prstGeom prst="straightConnector1">
+            <a:avLst/>
+          </a:prstGeom>
+          <a:ln w="38100">
+            <a:solidFill>
+              <a:schemeClr val="accent2">
+                <a:lumMod val="75000"/>
+              </a:schemeClr>
+            </a:solidFill>
+            <a:tailEnd type="triangle"/>
+          </a:ln>
+        </p:spPr>
+        <p:style>
+          <a:lnRef idx="1">
+            <a:schemeClr val="dk1"/>
+          </a:lnRef>
+          <a:fillRef idx="0">
+            <a:schemeClr val="dk1"/>
+          </a:fillRef>
+          <a:effectRef idx="0">
+            <a:schemeClr val="dk1"/>
+          </a:effectRef>
+          <a:fontRef idx="minor">
+            <a:schemeClr val="tx1"/>
+          </a:fontRef>
+        </p:style>
+      </p:cxnSp>
+      <p:cxnSp>
+        <p:nvCxnSpPr>
+          <p:cNvPr id="14" name="Straight Arrow Connector 13">
+            <a:extLst>
+              <a:ext uri="{FF2B5EF4-FFF2-40B4-BE49-F238E27FC236}">
+                <a16:creationId xmlns:a16="http://schemas.microsoft.com/office/drawing/2014/main" id="{8B9A9512-D82F-45D4-AE11-34D8463B1D5B}"/>
+              </a:ext>
+            </a:extLst>
+          </p:cNvPr>
+          <p:cNvCxnSpPr>
+            <a:cxnSpLocks/>
+          </p:cNvCxnSpPr>
+          <p:nvPr/>
+        </p:nvCxnSpPr>
+        <p:spPr>
+          <a:xfrm flipH="1" flipV="1">
+            <a:off x="8630816" y="2640563"/>
+            <a:ext cx="382555" cy="539727"/>
+          </a:xfrm>
+          <a:prstGeom prst="straightConnector1">
+            <a:avLst/>
+          </a:prstGeom>
+          <a:ln w="38100">
+            <a:solidFill>
+              <a:schemeClr val="accent2">
+                <a:lumMod val="75000"/>
+              </a:schemeClr>
+            </a:solidFill>
+            <a:tailEnd type="triangle"/>
+          </a:ln>
+        </p:spPr>
+        <p:style>
+          <a:lnRef idx="1">
+            <a:schemeClr val="dk1"/>
+          </a:lnRef>
+          <a:fillRef idx="0">
+            <a:schemeClr val="dk1"/>
+          </a:fillRef>
+          <a:effectRef idx="0">
+            <a:schemeClr val="dk1"/>
+          </a:effectRef>
+          <a:fontRef idx="minor">
+            <a:schemeClr val="tx1"/>
+          </a:fontRef>
+        </p:style>
+      </p:cxnSp>
+    </p:spTree>
+    <p:extLst>
+      <p:ext uri="{BB962C8B-B14F-4D97-AF65-F5344CB8AC3E}">
+        <p14:creationId xmlns:p14="http://schemas.microsoft.com/office/powerpoint/2010/main" val="2202086036"/>
       </p:ext>
     </p:extLst>
   </p:cSld>
